--- a/download/pdf/android/java-annotation.pptx
+++ b/download/pdf/android/java-annotation.pptx
@@ -567,7 +567,17 @@
             </a:pPr>
             <a:r>
               <a:rPr sz="2400"/>
-              <a:t>这块很多同学不理解，实际是编译器在编译时自动查找所有继承自 AbstractProcessor 的类，然后调用他们的 process 方法去处理</a:t>
+              <a:t>这块很多同学不理解，实际是 </a:t>
+            </a:r>
+            <a:r>
+              <a:rPr sz="2400" u="sng">
+                <a:hlinkClick r:id="rId3" invalidUrl="" action="" tgtFrame="" tooltip="" history="1" highlightClick="0" endSnd="0"/>
+              </a:rPr>
+              <a:t>apt(Annotation Processing Tool)</a:t>
+            </a:r>
+            <a:r>
+              <a:rPr sz="2400"/>
+              <a:t> 在编译时自动查找所有继承自 AbstractProcessor 的类，然后调用他们的 process 方法去处理</a:t>
             </a:r>
           </a:p>
         </p:txBody>
@@ -7027,7 +7037,7 @@
                   <a:srgbClr val="FFFFFF"/>
                 </a:solidFill>
               </a:rPr>
-              <a:t>编译时 Annotation 指 @Retention 为 CLASS 的 Annotation，甴编译器自动解析。</a:t>
+              <a:t>编译时 Annotation 指 @Retention 为 CLASS 的 Annotation，甴 apt 自动解析。</a:t>
             </a:r>
             <a:endParaRPr sz="3800">
               <a:solidFill>
